--- a/materials/session_23/PL/ML-Session23-PL.pptx
+++ b/materials/session_23/PL/ML-Session23-PL.pptx
@@ -118,7 +118,7 @@
 <file path=ppt/revisionInfo.xml><?xml version="1.0" encoding="utf-8"?>
 <p1510:revInfo xmlns:a="http://schemas.openxmlformats.org/drawingml/2006/main" xmlns:r="http://schemas.openxmlformats.org/officeDocument/2006/relationships" xmlns:p1510="http://schemas.microsoft.com/office/powerpoint/2015/10/main">
   <p1510:revLst>
-    <p1510:client id="{1E897C7F-287D-04B4-14CD-004154F3995B}" v="141" dt="2024-05-20T21:33:01.462"/>
+    <p1510:client id="{1E897C7F-287D-04B4-14CD-004154F3995B}" v="149" dt="2024-05-20T21:39:25.679"/>
     <p1510:client id="{3E1E7BA6-571E-EE5E-1409-47D81689E162}" v="34" dt="2024-05-20T21:28:17.699"/>
   </p1510:revLst>
 </p1510:revInfo>
@@ -6512,6 +6512,33 @@
             </a:r>
           </a:p>
           <a:p>
+            <a:pPr lvl="2" algn="just">
+              <a:buFont typeface="Wingdings" panose="020B0604020202020204" pitchFamily="34" charset="0"/>
+              <a:buChar char="§"/>
+            </a:pPr>
+            <a:r>
+              <a:rPr lang="pt-PT" dirty="0" err="1">
+                <a:ea typeface="+mn-lt"/>
+                <a:cs typeface="+mn-lt"/>
+              </a:rPr>
+              <a:t>notebooks</a:t>
+            </a:r>
+            <a:r>
+              <a:rPr lang="pt-PT" dirty="0">
+                <a:ea typeface="+mn-lt"/>
+                <a:cs typeface="+mn-lt"/>
+              </a:rPr>
+              <a:t>/session_23/</a:t>
+            </a:r>
+            <a:r>
+              <a:rPr lang="pt-PT" dirty="0" err="1">
+                <a:ea typeface="+mn-lt"/>
+                <a:cs typeface="+mn-lt"/>
+              </a:rPr>
+              <a:t>examples.ipynb</a:t>
+            </a:r>
+          </a:p>
+          <a:p>
             <a:pPr algn="just"/>
             <a:endParaRPr lang="pt-PT" sz="1800" dirty="0">
               <a:ea typeface="+mn-lt"/>
